--- a/notes/01-What-is-Data-Science.pptx
+++ b/notes/01-What-is-Data-Science.pptx
@@ -667,7 +667,7 @@
         </p:nvSpPr>
         <p:spPr>
           <a:xfrm>
-            <a:off x="381300" y="685800"/>
+            <a:off x="381000" y="685800"/>
             <a:ext cx="6096000" cy="3429000"/>
           </a:xfrm>
           <a:custGeom>
@@ -771,7 +771,7 @@
         </p:nvSpPr>
         <p:spPr>
           <a:xfrm>
-            <a:off x="381300" y="685800"/>
+            <a:off x="381000" y="685800"/>
             <a:ext cx="6096000" cy="3429000"/>
           </a:xfrm>
           <a:custGeom>
@@ -1083,7 +1083,7 @@
         </p:nvSpPr>
         <p:spPr>
           <a:xfrm>
-            <a:off x="381300" y="685800"/>
+            <a:off x="381000" y="685800"/>
             <a:ext cx="6096000" cy="3429000"/>
           </a:xfrm>
           <a:custGeom>
@@ -1187,7 +1187,7 @@
         </p:nvSpPr>
         <p:spPr>
           <a:xfrm>
-            <a:off x="381300" y="685800"/>
+            <a:off x="381000" y="685800"/>
             <a:ext cx="6096000" cy="3429000"/>
           </a:xfrm>
           <a:custGeom>
@@ -1291,7 +1291,7 @@
         </p:nvSpPr>
         <p:spPr>
           <a:xfrm>
-            <a:off x="381300" y="685800"/>
+            <a:off x="381000" y="685800"/>
             <a:ext cx="6096000" cy="3429000"/>
           </a:xfrm>
           <a:custGeom>
@@ -1395,7 +1395,7 @@
         </p:nvSpPr>
         <p:spPr>
           <a:xfrm>
-            <a:off x="381300" y="685800"/>
+            <a:off x="381000" y="685800"/>
             <a:ext cx="6096000" cy="3429000"/>
           </a:xfrm>
           <a:custGeom>
@@ -1499,7 +1499,7 @@
         </p:nvSpPr>
         <p:spPr>
           <a:xfrm>
-            <a:off x="381300" y="685800"/>
+            <a:off x="381000" y="685800"/>
             <a:ext cx="6096000" cy="3429000"/>
           </a:xfrm>
           <a:custGeom>
@@ -1603,7 +1603,7 @@
         </p:nvSpPr>
         <p:spPr>
           <a:xfrm>
-            <a:off x="381300" y="685800"/>
+            <a:off x="381000" y="685800"/>
             <a:ext cx="6096000" cy="3429000"/>
           </a:xfrm>
           <a:custGeom>
@@ -6325,12 +6325,12 @@
               <a:buChar char="●"/>
             </a:pPr>
             <a:r>
-              <a:rPr lang="en" dirty="0" err="1"/>
-              <a:t>Dr</a:t>
+              <a:rPr lang="en-US" dirty="0" err="1" smtClean="0"/>
+              <a:t>Indrani</a:t>
             </a:r>
             <a:r>
-              <a:rPr lang="en" dirty="0"/>
-              <a:t> Lutz Hamel</a:t>
+              <a:rPr lang="en-US" dirty="0" smtClean="0"/>
+              <a:t> Mandal</a:t>
             </a:r>
             <a:endParaRPr dirty="0"/>
           </a:p>
@@ -6363,13 +6363,22 @@
               <a:buChar char="○"/>
             </a:pPr>
             <a:r>
-              <a:rPr lang="en" u="sng" dirty="0">
+              <a:rPr lang="en-US" u="sng" dirty="0">
                 <a:solidFill>
                   <a:schemeClr val="hlink"/>
                 </a:solidFill>
                 <a:hlinkClick r:id="rId3"/>
               </a:rPr>
-              <a:t>lutzhamel@uri.edu</a:t>
+              <a:t>i</a:t>
+            </a:r>
+            <a:r>
+              <a:rPr lang="en" u="sng" dirty="0" smtClean="0">
+                <a:solidFill>
+                  <a:schemeClr val="hlink"/>
+                </a:solidFill>
+                <a:hlinkClick r:id="rId3"/>
+              </a:rPr>
+              <a:t>ndrani_mandal@uri.edu</a:t>
             </a:r>
             <a:endParaRPr dirty="0"/>
           </a:p>

--- a/notes/01-What-is-Data-Science.pptx
+++ b/notes/01-What-is-Data-Science.pptx
@@ -5787,7 +5787,7 @@
             </a:pPr>
             <a:r>
               <a:rPr lang="en" dirty="0" smtClean="0"/>
-              <a:t>CSC310</a:t>
+              <a:t>CSC/DSP 310</a:t>
             </a:r>
             <a:endParaRPr dirty="0"/>
           </a:p>
@@ -5798,6 +5798,13 @@
   <p:clrMapOvr>
     <a:masterClrMapping/>
   </p:clrMapOvr>
+  <p:timing>
+    <p:tnLst>
+      <p:par>
+        <p:cTn id="1" dur="indefinite" restart="never" nodeType="tmRoot"/>
+      </p:par>
+    </p:tnLst>
+  </p:timing>
 </p:sld>
 </file>
 
@@ -6446,7 +6453,11 @@
             </a:pPr>
             <a:r>
               <a:rPr lang="en" dirty="0"/>
-              <a:t>Gradebook (Sakai)</a:t>
+              <a:t>Gradebook </a:t>
+            </a:r>
+            <a:r>
+              <a:rPr lang="en" dirty="0" smtClean="0"/>
+              <a:t>(Brightspace)</a:t>
             </a:r>
             <a:endParaRPr dirty="0"/>
           </a:p>
@@ -6512,6 +6523,23 @@
             <a:r>
               <a:rPr lang="en-US" dirty="0" smtClean="0"/>
               <a:t> Notebooks</a:t>
+            </a:r>
+          </a:p>
+          <a:p>
+            <a:pPr lvl="1" indent="-317500">
+              <a:spcBef>
+                <a:spcPts val="0"/>
+              </a:spcBef>
+              <a:buSzPts val="1400"/>
+              <a:buChar char="●"/>
+            </a:pPr>
+            <a:r>
+              <a:rPr lang="en-US" dirty="0" smtClean="0"/>
+              <a:t>Google </a:t>
+            </a:r>
+            <a:r>
+              <a:rPr lang="en-US" dirty="0" err="1" smtClean="0"/>
+              <a:t>Colab</a:t>
             </a:r>
             <a:endParaRPr dirty="0"/>
           </a:p>
@@ -6546,6 +6574,13 @@
   <p:clrMapOvr>
     <a:masterClrMapping/>
   </p:clrMapOvr>
+  <p:timing>
+    <p:tnLst>
+      <p:par>
+        <p:cTn id="1" dur="indefinite" restart="never" nodeType="tmRoot"/>
+      </p:par>
+    </p:tnLst>
+  </p:timing>
 </p:sld>
 </file>
 
